--- a/Slides.pptx
+++ b/Slides.pptx
@@ -9,6 +9,7 @@
     <p:sldId id="257" r:id="rId3"/>
     <p:sldId id="258" r:id="rId4"/>
     <p:sldId id="259" r:id="rId5"/>
+    <p:sldId id="260" r:id="rId6"/>
   </p:sldIdLst>
   <p:sldSz cx="12192000" cy="6858000"/>
   <p:notesSz cx="6858000" cy="9144000"/>
@@ -4567,7 +4568,12 @@
             <p:ph type="title"/>
           </p:nvPr>
         </p:nvSpPr>
-        <p:spPr/>
+        <p:spPr>
+          <a:xfrm>
+            <a:off x="609600" y="206285"/>
+            <a:ext cx="10972800" cy="1325563"/>
+          </a:xfrm>
+        </p:spPr>
         <p:txBody>
           <a:bodyPr/>
           <a:lstStyle/>
@@ -4597,7 +4603,7 @@
         </p:nvSpPr>
         <p:spPr>
           <a:xfrm>
-            <a:off x="609600" y="2106204"/>
+            <a:off x="609600" y="1785624"/>
             <a:ext cx="3562905" cy="4036534"/>
           </a:xfrm>
         </p:spPr>
@@ -4680,6 +4686,66 @@
           </a:p>
         </p:txBody>
       </p:sp>
+      <p:pic>
+        <p:nvPicPr>
+          <p:cNvPr id="4" name="Picture 3">
+            <a:extLst>
+              <a:ext uri="{FF2B5EF4-FFF2-40B4-BE49-F238E27FC236}">
+                <a16:creationId xmlns:a16="http://schemas.microsoft.com/office/drawing/2014/main" id="{3910D486-5E60-D50A-91A2-43DCA77637F6}"/>
+              </a:ext>
+            </a:extLst>
+          </p:cNvPr>
+          <p:cNvPicPr>
+            <a:picLocks noChangeAspect="1"/>
+          </p:cNvPicPr>
+          <p:nvPr/>
+        </p:nvPicPr>
+        <p:blipFill>
+          <a:blip r:embed="rId2"/>
+          <a:stretch>
+            <a:fillRect/>
+          </a:stretch>
+        </p:blipFill>
+        <p:spPr>
+          <a:xfrm>
+            <a:off x="4419600" y="1761387"/>
+            <a:ext cx="7772400" cy="2243722"/>
+          </a:xfrm>
+          <a:prstGeom prst="rect">
+            <a:avLst/>
+          </a:prstGeom>
+        </p:spPr>
+      </p:pic>
+      <p:pic>
+        <p:nvPicPr>
+          <p:cNvPr id="5" name="Picture 4">
+            <a:extLst>
+              <a:ext uri="{FF2B5EF4-FFF2-40B4-BE49-F238E27FC236}">
+                <a16:creationId xmlns:a16="http://schemas.microsoft.com/office/drawing/2014/main" id="{8307ED6F-3A50-DC8C-B5B4-DBB49E6557AC}"/>
+              </a:ext>
+            </a:extLst>
+          </p:cNvPr>
+          <p:cNvPicPr>
+            <a:picLocks noChangeAspect="1"/>
+          </p:cNvPicPr>
+          <p:nvPr/>
+        </p:nvPicPr>
+        <p:blipFill>
+          <a:blip r:embed="rId3"/>
+          <a:stretch>
+            <a:fillRect/>
+          </a:stretch>
+        </p:blipFill>
+        <p:spPr>
+          <a:xfrm>
+            <a:off x="4419600" y="4234648"/>
+            <a:ext cx="7772400" cy="2348638"/>
+          </a:xfrm>
+          <a:prstGeom prst="rect">
+            <a:avLst/>
+          </a:prstGeom>
+        </p:spPr>
+      </p:pic>
     </p:spTree>
     <p:extLst>
       <p:ext uri="{BB962C8B-B14F-4D97-AF65-F5344CB8AC3E}">
@@ -4696,6 +4762,14 @@
 <file path=ppt/slides/slide4.xml><?xml version="1.0" encoding="utf-8"?>
 <p:sld xmlns:a="http://schemas.openxmlformats.org/drawingml/2006/main" xmlns:r="http://schemas.openxmlformats.org/officeDocument/2006/relationships" xmlns:p="http://schemas.openxmlformats.org/presentationml/2006/main">
   <p:cSld>
+    <p:bg>
+      <p:bgPr>
+        <a:solidFill>
+          <a:schemeClr val="bg2"/>
+        </a:solidFill>
+        <a:effectLst/>
+      </p:bgPr>
+    </p:bg>
     <p:spTree>
       <p:nvGrpSpPr>
         <p:cNvPr id="1" name=""/>
@@ -4710,9 +4784,464 @@
           <a:chExt cx="0" cy="0"/>
         </a:xfrm>
       </p:grpSpPr>
-      <p:sp>
-        <p:nvSpPr>
-          <p:cNvPr id="2" name="Title 1">
+      <p:sp useBgFill="1">
+        <p:nvSpPr>
+          <p:cNvPr id="55" name="Background Fill">
+            <a:extLst>
+              <a:ext uri="{FF2B5EF4-FFF2-40B4-BE49-F238E27FC236}">
+                <a16:creationId xmlns:a16="http://schemas.microsoft.com/office/drawing/2014/main" id="{B937640E-EF7A-4A6C-A950-D12B7D5C923E}"/>
+              </a:ext>
+              <a:ext uri="{C183D7F6-B498-43B3-948B-1728B52AA6E4}">
+                <adec:decorative xmlns:adec="http://schemas.microsoft.com/office/drawing/2017/decorative" val="1"/>
+              </a:ext>
+            </a:extLst>
+          </p:cNvPr>
+          <p:cNvSpPr>
+            <a:spLocks noGrp="1" noRot="1" noChangeAspect="1" noMove="1" noResize="1" noEditPoints="1" noAdjustHandles="1" noChangeArrowheads="1" noChangeShapeType="1" noTextEdit="1"/>
+          </p:cNvSpPr>
+          <p:nvPr>
+            <p:extLst>
+              <p:ext uri="{386F3935-93C4-4BCD-93E2-E3B085C9AB24}">
+                <p16:designElem xmlns:p16="http://schemas.microsoft.com/office/powerpoint/2015/main" val="1"/>
+              </p:ext>
+            </p:extLst>
+          </p:nvPr>
+        </p:nvSpPr>
+        <p:spPr>
+          <a:xfrm>
+            <a:off x="0" y="0"/>
+            <a:ext cx="12188952" cy="6858000"/>
+          </a:xfrm>
+          <a:prstGeom prst="rect">
+            <a:avLst/>
+          </a:prstGeom>
+          <a:ln>
+            <a:noFill/>
+          </a:ln>
+        </p:spPr>
+        <p:style>
+          <a:lnRef idx="2">
+            <a:schemeClr val="accent1">
+              <a:shade val="50000"/>
+            </a:schemeClr>
+          </a:lnRef>
+          <a:fillRef idx="1">
+            <a:schemeClr val="accent1"/>
+          </a:fillRef>
+          <a:effectRef idx="0">
+            <a:schemeClr val="accent1"/>
+          </a:effectRef>
+          <a:fontRef idx="minor">
+            <a:schemeClr val="lt1"/>
+          </a:fontRef>
+        </p:style>
+        <p:txBody>
+          <a:bodyPr rtlCol="0" anchor="ctr"/>
+          <a:lstStyle/>
+          <a:p>
+            <a:pPr algn="ctr"/>
+            <a:endParaRPr lang="en-US"/>
+          </a:p>
+        </p:txBody>
+      </p:sp>
+      <p:sp>
+        <p:nvSpPr>
+          <p:cNvPr id="56" name="Rectangle 55">
+            <a:extLst>
+              <a:ext uri="{FF2B5EF4-FFF2-40B4-BE49-F238E27FC236}">
+                <a16:creationId xmlns:a16="http://schemas.microsoft.com/office/drawing/2014/main" id="{4E64E4A9-D8D0-4AE7-99BD-EFE51D6EB122}"/>
+              </a:ext>
+              <a:ext uri="{C183D7F6-B498-43B3-948B-1728B52AA6E4}">
+                <adec:decorative xmlns:adec="http://schemas.microsoft.com/office/drawing/2017/decorative" val="1"/>
+              </a:ext>
+            </a:extLst>
+          </p:cNvPr>
+          <p:cNvSpPr>
+            <a:spLocks noGrp="1" noRot="1" noChangeAspect="1" noMove="1" noResize="1" noEditPoints="1" noAdjustHandles="1" noChangeArrowheads="1" noChangeShapeType="1" noTextEdit="1"/>
+          </p:cNvSpPr>
+          <p:nvPr>
+            <p:extLst>
+              <p:ext uri="{386F3935-93C4-4BCD-93E2-E3B085C9AB24}">
+                <p16:designElem xmlns:p16="http://schemas.microsoft.com/office/powerpoint/2015/main" val="1"/>
+              </p:ext>
+            </p:extLst>
+          </p:nvPr>
+        </p:nvSpPr>
+        <p:spPr>
+          <a:xfrm>
+            <a:off x="0" y="0"/>
+            <a:ext cx="12192001" cy="6858000"/>
+          </a:xfrm>
+          <a:prstGeom prst="rect">
+            <a:avLst/>
+          </a:prstGeom>
+          <a:solidFill>
+            <a:srgbClr val="AEAEAE">
+              <a:alpha val="10000"/>
+            </a:srgbClr>
+          </a:solidFill>
+          <a:ln>
+            <a:noFill/>
+          </a:ln>
+        </p:spPr>
+        <p:style>
+          <a:lnRef idx="2">
+            <a:schemeClr val="accent1">
+              <a:shade val="50000"/>
+            </a:schemeClr>
+          </a:lnRef>
+          <a:fillRef idx="1">
+            <a:schemeClr val="accent1"/>
+          </a:fillRef>
+          <a:effectRef idx="0">
+            <a:schemeClr val="accent1"/>
+          </a:effectRef>
+          <a:fontRef idx="minor">
+            <a:schemeClr val="lt1"/>
+          </a:fontRef>
+        </p:style>
+        <p:txBody>
+          <a:bodyPr rtlCol="0" anchor="ctr"/>
+          <a:lstStyle/>
+          <a:p>
+            <a:pPr algn="ctr"/>
+            <a:endParaRPr lang="en-US" dirty="0"/>
+          </a:p>
+        </p:txBody>
+      </p:sp>
+      <p:sp>
+        <p:nvSpPr>
+          <p:cNvPr id="57" name="Freeform: Shape 52">
+            <a:extLst>
+              <a:ext uri="{FF2B5EF4-FFF2-40B4-BE49-F238E27FC236}">
+                <a16:creationId xmlns:a16="http://schemas.microsoft.com/office/drawing/2014/main" id="{AFD62F46-8DC3-4EDF-BDEF-27C439C6F7BD}"/>
+              </a:ext>
+              <a:ext uri="{C183D7F6-B498-43B3-948B-1728B52AA6E4}">
+                <adec:decorative xmlns:adec="http://schemas.microsoft.com/office/drawing/2017/decorative" val="1"/>
+              </a:ext>
+            </a:extLst>
+          </p:cNvPr>
+          <p:cNvSpPr>
+            <a:spLocks noGrp="1" noRot="1" noChangeAspect="1" noMove="1" noResize="1" noEditPoints="1" noAdjustHandles="1" noChangeArrowheads="1" noChangeShapeType="1" noTextEdit="1"/>
+          </p:cNvSpPr>
+          <p:nvPr>
+            <p:extLst>
+              <p:ext uri="{386F3935-93C4-4BCD-93E2-E3B085C9AB24}">
+                <p16:designElem xmlns:p16="http://schemas.microsoft.com/office/powerpoint/2015/main" val="1"/>
+              </p:ext>
+            </p:extLst>
+          </p:nvPr>
+        </p:nvSpPr>
+        <p:spPr>
+          <a:xfrm>
+            <a:off x="0" y="-1"/>
+            <a:ext cx="6336253" cy="6858001"/>
+          </a:xfrm>
+          <a:custGeom>
+            <a:avLst/>
+            <a:gdLst>
+              <a:gd name="connsiteX0" fmla="*/ 5721063 w 6336253"/>
+              <a:gd name="connsiteY0" fmla="*/ 3536635 h 6858001"/>
+              <a:gd name="connsiteX1" fmla="*/ 6230651 w 6336253"/>
+              <a:gd name="connsiteY1" fmla="*/ 4046223 h 6858001"/>
+              <a:gd name="connsiteX2" fmla="*/ 5721063 w 6336253"/>
+              <a:gd name="connsiteY2" fmla="*/ 4555811 h 6858001"/>
+              <a:gd name="connsiteX3" fmla="*/ 5211475 w 6336253"/>
+              <a:gd name="connsiteY3" fmla="*/ 4046223 h 6858001"/>
+              <a:gd name="connsiteX4" fmla="*/ 5721063 w 6336253"/>
+              <a:gd name="connsiteY4" fmla="*/ 3536635 h 6858001"/>
+              <a:gd name="connsiteX5" fmla="*/ 5456902 w 6336253"/>
+              <a:gd name="connsiteY5" fmla="*/ 0 h 6858001"/>
+              <a:gd name="connsiteX6" fmla="*/ 6321710 w 6336253"/>
+              <a:gd name="connsiteY6" fmla="*/ 0 h 6858001"/>
+              <a:gd name="connsiteX7" fmla="*/ 6332019 w 6336253"/>
+              <a:gd name="connsiteY7" fmla="*/ 42969 h 6858001"/>
+              <a:gd name="connsiteX8" fmla="*/ 6320934 w 6336253"/>
+              <a:gd name="connsiteY8" fmla="*/ 219852 h 6858001"/>
+              <a:gd name="connsiteX9" fmla="*/ 5774313 w 6336253"/>
+              <a:gd name="connsiteY9" fmla="*/ 535443 h 6858001"/>
+              <a:gd name="connsiteX10" fmla="*/ 5444200 w 6336253"/>
+              <a:gd name="connsiteY10" fmla="*/ 78052 h 6858001"/>
+              <a:gd name="connsiteX11" fmla="*/ 609600 w 6336253"/>
+              <a:gd name="connsiteY11" fmla="*/ 0 h 6858001"/>
+              <a:gd name="connsiteX12" fmla="*/ 1171409 w 6336253"/>
+              <a:gd name="connsiteY12" fmla="*/ 0 h 6858001"/>
+              <a:gd name="connsiteX13" fmla="*/ 4838473 w 6336253"/>
+              <a:gd name="connsiteY13" fmla="*/ 0 h 6858001"/>
+              <a:gd name="connsiteX14" fmla="*/ 4830349 w 6336253"/>
+              <a:gd name="connsiteY14" fmla="*/ 184996 h 6858001"/>
+              <a:gd name="connsiteX15" fmla="*/ 4833376 w 6336253"/>
+              <a:gd name="connsiteY15" fmla="*/ 419995 h 6858001"/>
+              <a:gd name="connsiteX16" fmla="*/ 5281338 w 6336253"/>
+              <a:gd name="connsiteY16" fmla="*/ 1068099 h 6858001"/>
+              <a:gd name="connsiteX17" fmla="*/ 5729205 w 6336253"/>
+              <a:gd name="connsiteY17" fmla="*/ 2589405 h 6858001"/>
+              <a:gd name="connsiteX18" fmla="*/ 5283212 w 6336253"/>
+              <a:gd name="connsiteY18" fmla="*/ 3164269 h 6858001"/>
+              <a:gd name="connsiteX19" fmla="*/ 5124820 w 6336253"/>
+              <a:gd name="connsiteY19" fmla="*/ 4641255 h 6858001"/>
+              <a:gd name="connsiteX20" fmla="*/ 5736551 w 6336253"/>
+              <a:gd name="connsiteY20" fmla="*/ 5670858 h 6858001"/>
+              <a:gd name="connsiteX21" fmla="*/ 6022123 w 6336253"/>
+              <a:gd name="connsiteY21" fmla="*/ 6707670 h 6858001"/>
+              <a:gd name="connsiteX22" fmla="*/ 6024496 w 6336253"/>
+              <a:gd name="connsiteY22" fmla="*/ 6858000 h 6858001"/>
+              <a:gd name="connsiteX23" fmla="*/ 2242268 w 6336253"/>
+              <a:gd name="connsiteY23" fmla="*/ 6858000 h 6858001"/>
+              <a:gd name="connsiteX24" fmla="*/ 2242268 w 6336253"/>
+              <a:gd name="connsiteY24" fmla="*/ 6858001 h 6858001"/>
+              <a:gd name="connsiteX25" fmla="*/ 0 w 6336253"/>
+              <a:gd name="connsiteY25" fmla="*/ 6858001 h 6858001"/>
+              <a:gd name="connsiteX26" fmla="*/ 0 w 6336253"/>
+              <a:gd name="connsiteY26" fmla="*/ 1 h 6858001"/>
+              <a:gd name="connsiteX27" fmla="*/ 609600 w 6336253"/>
+              <a:gd name="connsiteY27" fmla="*/ 1 h 6858001"/>
+            </a:gdLst>
+            <a:ahLst/>
+            <a:cxnLst>
+              <a:cxn ang="0">
+                <a:pos x="connsiteX0" y="connsiteY0"/>
+              </a:cxn>
+              <a:cxn ang="0">
+                <a:pos x="connsiteX1" y="connsiteY1"/>
+              </a:cxn>
+              <a:cxn ang="0">
+                <a:pos x="connsiteX2" y="connsiteY2"/>
+              </a:cxn>
+              <a:cxn ang="0">
+                <a:pos x="connsiteX3" y="connsiteY3"/>
+              </a:cxn>
+              <a:cxn ang="0">
+                <a:pos x="connsiteX4" y="connsiteY4"/>
+              </a:cxn>
+              <a:cxn ang="0">
+                <a:pos x="connsiteX5" y="connsiteY5"/>
+              </a:cxn>
+              <a:cxn ang="0">
+                <a:pos x="connsiteX6" y="connsiteY6"/>
+              </a:cxn>
+              <a:cxn ang="0">
+                <a:pos x="connsiteX7" y="connsiteY7"/>
+              </a:cxn>
+              <a:cxn ang="0">
+                <a:pos x="connsiteX8" y="connsiteY8"/>
+              </a:cxn>
+              <a:cxn ang="0">
+                <a:pos x="connsiteX9" y="connsiteY9"/>
+              </a:cxn>
+              <a:cxn ang="0">
+                <a:pos x="connsiteX10" y="connsiteY10"/>
+              </a:cxn>
+              <a:cxn ang="0">
+                <a:pos x="connsiteX11" y="connsiteY11"/>
+              </a:cxn>
+              <a:cxn ang="0">
+                <a:pos x="connsiteX12" y="connsiteY12"/>
+              </a:cxn>
+              <a:cxn ang="0">
+                <a:pos x="connsiteX13" y="connsiteY13"/>
+              </a:cxn>
+              <a:cxn ang="0">
+                <a:pos x="connsiteX14" y="connsiteY14"/>
+              </a:cxn>
+              <a:cxn ang="0">
+                <a:pos x="connsiteX15" y="connsiteY15"/>
+              </a:cxn>
+              <a:cxn ang="0">
+                <a:pos x="connsiteX16" y="connsiteY16"/>
+              </a:cxn>
+              <a:cxn ang="0">
+                <a:pos x="connsiteX17" y="connsiteY17"/>
+              </a:cxn>
+              <a:cxn ang="0">
+                <a:pos x="connsiteX18" y="connsiteY18"/>
+              </a:cxn>
+              <a:cxn ang="0">
+                <a:pos x="connsiteX19" y="connsiteY19"/>
+              </a:cxn>
+              <a:cxn ang="0">
+                <a:pos x="connsiteX20" y="connsiteY20"/>
+              </a:cxn>
+              <a:cxn ang="0">
+                <a:pos x="connsiteX21" y="connsiteY21"/>
+              </a:cxn>
+              <a:cxn ang="0">
+                <a:pos x="connsiteX22" y="connsiteY22"/>
+              </a:cxn>
+              <a:cxn ang="0">
+                <a:pos x="connsiteX23" y="connsiteY23"/>
+              </a:cxn>
+              <a:cxn ang="0">
+                <a:pos x="connsiteX24" y="connsiteY24"/>
+              </a:cxn>
+              <a:cxn ang="0">
+                <a:pos x="connsiteX25" y="connsiteY25"/>
+              </a:cxn>
+              <a:cxn ang="0">
+                <a:pos x="connsiteX26" y="connsiteY26"/>
+              </a:cxn>
+              <a:cxn ang="0">
+                <a:pos x="connsiteX27" y="connsiteY27"/>
+              </a:cxn>
+            </a:cxnLst>
+            <a:rect l="l" t="t" r="r" b="b"/>
+            <a:pathLst>
+              <a:path w="6336253" h="6858001">
+                <a:moveTo>
+                  <a:pt x="5721063" y="3536635"/>
+                </a:moveTo>
+                <a:cubicBezTo>
+                  <a:pt x="6002501" y="3536635"/>
+                  <a:pt x="6230651" y="3764785"/>
+                  <a:pt x="6230651" y="4046223"/>
+                </a:cubicBezTo>
+                <a:cubicBezTo>
+                  <a:pt x="6230651" y="4327661"/>
+                  <a:pt x="6002501" y="4555811"/>
+                  <a:pt x="5721063" y="4555811"/>
+                </a:cubicBezTo>
+                <a:cubicBezTo>
+                  <a:pt x="5439625" y="4555811"/>
+                  <a:pt x="5211475" y="4327661"/>
+                  <a:pt x="5211475" y="4046223"/>
+                </a:cubicBezTo>
+                <a:cubicBezTo>
+                  <a:pt x="5211475" y="3764785"/>
+                  <a:pt x="5439625" y="3536635"/>
+                  <a:pt x="5721063" y="3536635"/>
+                </a:cubicBezTo>
+                <a:close/>
+                <a:moveTo>
+                  <a:pt x="5456902" y="0"/>
+                </a:moveTo>
+                <a:lnTo>
+                  <a:pt x="6321710" y="0"/>
+                </a:lnTo>
+                <a:lnTo>
+                  <a:pt x="6332019" y="42969"/>
+                </a:lnTo>
+                <a:cubicBezTo>
+                  <a:pt x="6340015" y="100391"/>
+                  <a:pt x="6336884" y="160329"/>
+                  <a:pt x="6320934" y="219852"/>
+                </a:cubicBezTo>
+                <a:cubicBezTo>
+                  <a:pt x="6257137" y="457945"/>
+                  <a:pt x="6012407" y="599240"/>
+                  <a:pt x="5774313" y="535443"/>
+                </a:cubicBezTo>
+                <a:cubicBezTo>
+                  <a:pt x="5565982" y="479621"/>
+                  <a:pt x="5431761" y="285271"/>
+                  <a:pt x="5444200" y="78052"/>
+                </a:cubicBezTo>
+                <a:close/>
+                <a:moveTo>
+                  <a:pt x="609600" y="0"/>
+                </a:moveTo>
+                <a:lnTo>
+                  <a:pt x="1171409" y="0"/>
+                </a:lnTo>
+                <a:lnTo>
+                  <a:pt x="4838473" y="0"/>
+                </a:lnTo>
+                <a:lnTo>
+                  <a:pt x="4830349" y="184996"/>
+                </a:lnTo>
+                <a:cubicBezTo>
+                  <a:pt x="4828991" y="263520"/>
+                  <a:pt x="4829864" y="341910"/>
+                  <a:pt x="4833376" y="419995"/>
+                </a:cubicBezTo>
+                <a:cubicBezTo>
+                  <a:pt x="4846565" y="709488"/>
+                  <a:pt x="5075226" y="891535"/>
+                  <a:pt x="5281338" y="1068099"/>
+                </a:cubicBezTo>
+                <a:cubicBezTo>
+                  <a:pt x="5795128" y="1508061"/>
+                  <a:pt x="5969974" y="2032158"/>
+                  <a:pt x="5729205" y="2589405"/>
+                </a:cubicBezTo>
+                <a:cubicBezTo>
+                  <a:pt x="5635831" y="2805523"/>
+                  <a:pt x="5454276" y="2993264"/>
+                  <a:pt x="5283212" y="3164269"/>
+                </a:cubicBezTo>
+                <a:cubicBezTo>
+                  <a:pt x="4824418" y="3622744"/>
+                  <a:pt x="4843217" y="4154456"/>
+                  <a:pt x="5124820" y="4641255"/>
+                </a:cubicBezTo>
+                <a:cubicBezTo>
+                  <a:pt x="5325440" y="4986832"/>
+                  <a:pt x="5565996" y="5311556"/>
+                  <a:pt x="5736551" y="5670858"/>
+                </a:cubicBezTo>
+                <a:cubicBezTo>
+                  <a:pt x="5902602" y="6019042"/>
+                  <a:pt x="6001121" y="6366409"/>
+                  <a:pt x="6022123" y="6707670"/>
+                </a:cubicBezTo>
+                <a:lnTo>
+                  <a:pt x="6024496" y="6858000"/>
+                </a:lnTo>
+                <a:lnTo>
+                  <a:pt x="2242268" y="6858000"/>
+                </a:lnTo>
+                <a:lnTo>
+                  <a:pt x="2242268" y="6858001"/>
+                </a:lnTo>
+                <a:lnTo>
+                  <a:pt x="0" y="6858001"/>
+                </a:lnTo>
+                <a:lnTo>
+                  <a:pt x="0" y="1"/>
+                </a:lnTo>
+                <a:lnTo>
+                  <a:pt x="609600" y="1"/>
+                </a:lnTo>
+                <a:close/>
+              </a:path>
+            </a:pathLst>
+          </a:custGeom>
+          <a:solidFill>
+            <a:schemeClr val="bg1"/>
+          </a:solidFill>
+          <a:ln>
+            <a:noFill/>
+          </a:ln>
+        </p:spPr>
+        <p:style>
+          <a:lnRef idx="2">
+            <a:schemeClr val="accent1">
+              <a:shade val="50000"/>
+            </a:schemeClr>
+          </a:lnRef>
+          <a:fillRef idx="1">
+            <a:schemeClr val="accent1"/>
+          </a:fillRef>
+          <a:effectRef idx="0">
+            <a:schemeClr val="accent1"/>
+          </a:effectRef>
+          <a:fontRef idx="minor">
+            <a:schemeClr val="lt1"/>
+          </a:fontRef>
+        </p:style>
+        <p:txBody>
+          <a:bodyPr wrap="square" rtlCol="0" anchor="ctr">
+            <a:noAutofit/>
+          </a:bodyPr>
+          <a:lstStyle/>
+          <a:p>
+            <a:pPr algn="ctr"/>
+            <a:endParaRPr lang="en-US"/>
+          </a:p>
+        </p:txBody>
+      </p:sp>
+      <p:sp>
+        <p:nvSpPr>
+          <p:cNvPr id="58" name="Title 1">
             <a:extLst>
               <a:ext uri="{FF2B5EF4-FFF2-40B4-BE49-F238E27FC236}">
                 <a16:creationId xmlns:a16="http://schemas.microsoft.com/office/drawing/2014/main" id="{0FDE9F58-66D0-CF2E-50CA-C3EA6B83C404}"/>
@@ -4726,44 +5255,154 @@
             <p:ph type="title"/>
           </p:nvPr>
         </p:nvSpPr>
-        <p:spPr/>
-        <p:txBody>
-          <a:bodyPr/>
-          <a:lstStyle/>
-          <a:p>
-            <a:endParaRPr lang="en-US"/>
-          </a:p>
-        </p:txBody>
-      </p:sp>
-      <p:sp>
-        <p:nvSpPr>
-          <p:cNvPr id="3" name="Content Placeholder 2">
-            <a:extLst>
-              <a:ext uri="{FF2B5EF4-FFF2-40B4-BE49-F238E27FC236}">
-                <a16:creationId xmlns:a16="http://schemas.microsoft.com/office/drawing/2014/main" id="{A522A08F-D824-7B81-198A-3E7D8AD15996}"/>
-              </a:ext>
-            </a:extLst>
-          </p:cNvPr>
-          <p:cNvSpPr>
-            <a:spLocks noGrp="1"/>
-          </p:cNvSpPr>
-          <p:nvPr>
-            <p:ph idx="1"/>
-          </p:nvPr>
-        </p:nvSpPr>
-        <p:spPr/>
-        <p:txBody>
-          <a:bodyPr/>
-          <a:lstStyle/>
-          <a:p>
-            <a:endParaRPr lang="en-US"/>
-          </a:p>
-        </p:txBody>
-      </p:sp>
+        <p:spPr>
+          <a:xfrm>
+            <a:off x="2595511" y="0"/>
+            <a:ext cx="7484533" cy="1015718"/>
+          </a:xfrm>
+        </p:spPr>
+        <p:txBody>
+          <a:bodyPr>
+            <a:normAutofit/>
+          </a:bodyPr>
+          <a:lstStyle/>
+          <a:p>
+            <a:r>
+              <a:rPr lang="en-US" sz="2400" dirty="0"/>
+              <a:t>Firearm Background Checks Over the years</a:t>
+            </a:r>
+          </a:p>
+        </p:txBody>
+      </p:sp>
+      <p:pic>
+        <p:nvPicPr>
+          <p:cNvPr id="4" name="Content Placeholder 3">
+            <a:extLst>
+              <a:ext uri="{FF2B5EF4-FFF2-40B4-BE49-F238E27FC236}">
+                <a16:creationId xmlns:a16="http://schemas.microsoft.com/office/drawing/2014/main" id="{E2803015-1DEA-EFA8-FB70-A8B6009289A4}"/>
+              </a:ext>
+            </a:extLst>
+          </p:cNvPr>
+          <p:cNvPicPr>
+            <a:picLocks noChangeAspect="1"/>
+          </p:cNvPicPr>
+          <p:nvPr/>
+        </p:nvPicPr>
+        <p:blipFill>
+          <a:blip r:embed="rId2"/>
+          <a:stretch>
+            <a:fillRect/>
+          </a:stretch>
+        </p:blipFill>
+        <p:spPr>
+          <a:xfrm>
+            <a:off x="1304447" y="1320800"/>
+            <a:ext cx="9848566" cy="4899659"/>
+          </a:xfrm>
+          <a:prstGeom prst="rect">
+            <a:avLst/>
+          </a:prstGeom>
+        </p:spPr>
+      </p:pic>
     </p:spTree>
     <p:extLst>
       <p:ext uri="{BB962C8B-B14F-4D97-AF65-F5344CB8AC3E}">
         <p14:creationId xmlns:p14="http://schemas.microsoft.com/office/powerpoint/2010/main" val="383500914"/>
+      </p:ext>
+    </p:extLst>
+  </p:cSld>
+  <p:clrMapOvr>
+    <a:masterClrMapping/>
+  </p:clrMapOvr>
+</p:sld>
+</file>
+
+<file path=ppt/slides/slide5.xml><?xml version="1.0" encoding="utf-8"?>
+<p:sld xmlns:a="http://schemas.openxmlformats.org/drawingml/2006/main" xmlns:r="http://schemas.openxmlformats.org/officeDocument/2006/relationships" xmlns:p="http://schemas.openxmlformats.org/presentationml/2006/main">
+  <p:cSld>
+    <p:spTree>
+      <p:nvGrpSpPr>
+        <p:cNvPr id="1" name=""/>
+        <p:cNvGrpSpPr/>
+        <p:nvPr/>
+      </p:nvGrpSpPr>
+      <p:grpSpPr>
+        <a:xfrm>
+          <a:off x="0" y="0"/>
+          <a:ext cx="0" cy="0"/>
+          <a:chOff x="0" y="0"/>
+          <a:chExt cx="0" cy="0"/>
+        </a:xfrm>
+      </p:grpSpPr>
+      <p:sp>
+        <p:nvSpPr>
+          <p:cNvPr id="2" name="Title 1">
+            <a:extLst>
+              <a:ext uri="{FF2B5EF4-FFF2-40B4-BE49-F238E27FC236}">
+                <a16:creationId xmlns:a16="http://schemas.microsoft.com/office/drawing/2014/main" id="{F80B6274-7D90-E76F-1FD9-2D47B9D07AC8}"/>
+              </a:ext>
+            </a:extLst>
+          </p:cNvPr>
+          <p:cNvSpPr>
+            <a:spLocks noGrp="1"/>
+          </p:cNvSpPr>
+          <p:nvPr>
+            <p:ph type="title"/>
+          </p:nvPr>
+        </p:nvSpPr>
+        <p:spPr>
+          <a:xfrm>
+            <a:off x="609600" y="0"/>
+            <a:ext cx="10972800" cy="1325563"/>
+          </a:xfrm>
+        </p:spPr>
+        <p:txBody>
+          <a:bodyPr/>
+          <a:lstStyle/>
+          <a:p>
+            <a:r>
+              <a:rPr lang="en-US" dirty="0"/>
+              <a:t>Firearm trends based on major states</a:t>
+            </a:r>
+          </a:p>
+        </p:txBody>
+      </p:sp>
+      <p:pic>
+        <p:nvPicPr>
+          <p:cNvPr id="4" name="Content Placeholder 3">
+            <a:extLst>
+              <a:ext uri="{FF2B5EF4-FFF2-40B4-BE49-F238E27FC236}">
+                <a16:creationId xmlns:a16="http://schemas.microsoft.com/office/drawing/2014/main" id="{33AB645B-3439-BDE5-CA8B-A9B5CA11C08B}"/>
+              </a:ext>
+            </a:extLst>
+          </p:cNvPr>
+          <p:cNvPicPr>
+            <a:picLocks noGrp="1" noChangeAspect="1"/>
+          </p:cNvPicPr>
+          <p:nvPr>
+            <p:ph idx="1"/>
+          </p:nvPr>
+        </p:nvPicPr>
+        <p:blipFill>
+          <a:blip r:embed="rId2"/>
+          <a:stretch>
+            <a:fillRect/>
+          </a:stretch>
+        </p:blipFill>
+        <p:spPr>
+          <a:xfrm>
+            <a:off x="760814" y="1325563"/>
+            <a:ext cx="10821586" cy="5109104"/>
+          </a:xfrm>
+          <a:prstGeom prst="rect">
+            <a:avLst/>
+          </a:prstGeom>
+        </p:spPr>
+      </p:pic>
+    </p:spTree>
+    <p:extLst>
+      <p:ext uri="{BB962C8B-B14F-4D97-AF65-F5344CB8AC3E}">
+        <p14:creationId xmlns:p14="http://schemas.microsoft.com/office/powerpoint/2010/main" val="364016081"/>
       </p:ext>
     </p:extLst>
   </p:cSld>

--- a/Slides.pptx
+++ b/Slides.pptx
@@ -10,6 +10,8 @@
     <p:sldId id="258" r:id="rId4"/>
     <p:sldId id="259" r:id="rId5"/>
     <p:sldId id="260" r:id="rId6"/>
+    <p:sldId id="261" r:id="rId7"/>
+    <p:sldId id="262" r:id="rId8"/>
   </p:sldIdLst>
   <p:sldSz cx="12192000" cy="6858000"/>
   <p:notesSz cx="6858000" cy="9144000"/>
@@ -5412,6 +5414,273 @@
 </p:sld>
 </file>
 
+<file path=ppt/slides/slide6.xml><?xml version="1.0" encoding="utf-8"?>
+<p:sld xmlns:a="http://schemas.openxmlformats.org/drawingml/2006/main" xmlns:r="http://schemas.openxmlformats.org/officeDocument/2006/relationships" xmlns:p="http://schemas.openxmlformats.org/presentationml/2006/main">
+  <p:cSld>
+    <p:spTree>
+      <p:nvGrpSpPr>
+        <p:cNvPr id="1" name=""/>
+        <p:cNvGrpSpPr/>
+        <p:nvPr/>
+      </p:nvGrpSpPr>
+      <p:grpSpPr>
+        <a:xfrm>
+          <a:off x="0" y="0"/>
+          <a:ext cx="0" cy="0"/>
+          <a:chOff x="0" y="0"/>
+          <a:chExt cx="0" cy="0"/>
+        </a:xfrm>
+      </p:grpSpPr>
+      <p:sp>
+        <p:nvSpPr>
+          <p:cNvPr id="2" name="Title 1">
+            <a:extLst>
+              <a:ext uri="{FF2B5EF4-FFF2-40B4-BE49-F238E27FC236}">
+                <a16:creationId xmlns:a16="http://schemas.microsoft.com/office/drawing/2014/main" id="{5BAC2DB0-DC7E-AEDD-395D-4F2A3CAD2CA4}"/>
+              </a:ext>
+            </a:extLst>
+          </p:cNvPr>
+          <p:cNvSpPr>
+            <a:spLocks noGrp="1"/>
+          </p:cNvSpPr>
+          <p:nvPr>
+            <p:ph type="title"/>
+          </p:nvPr>
+        </p:nvSpPr>
+        <p:spPr>
+          <a:xfrm>
+            <a:off x="609600" y="557785"/>
+            <a:ext cx="10972800" cy="514660"/>
+          </a:xfrm>
+        </p:spPr>
+        <p:txBody>
+          <a:bodyPr>
+            <a:normAutofit fontScale="90000"/>
+          </a:bodyPr>
+          <a:lstStyle/>
+          <a:p>
+            <a:r>
+              <a:rPr lang="en-US" dirty="0"/>
+              <a:t>Handgun vs Long Gun Background Checks</a:t>
+            </a:r>
+          </a:p>
+        </p:txBody>
+      </p:sp>
+      <p:pic>
+        <p:nvPicPr>
+          <p:cNvPr id="4" name="Picture 3">
+            <a:extLst>
+              <a:ext uri="{FF2B5EF4-FFF2-40B4-BE49-F238E27FC236}">
+                <a16:creationId xmlns:a16="http://schemas.microsoft.com/office/drawing/2014/main" id="{AF23D197-586C-16FD-7F45-9F8FC19A1EE6}"/>
+              </a:ext>
+            </a:extLst>
+          </p:cNvPr>
+          <p:cNvPicPr>
+            <a:picLocks noChangeAspect="1"/>
+          </p:cNvPicPr>
+          <p:nvPr/>
+        </p:nvPicPr>
+        <p:blipFill>
+          <a:blip r:embed="rId2"/>
+          <a:stretch>
+            <a:fillRect/>
+          </a:stretch>
+        </p:blipFill>
+        <p:spPr>
+          <a:xfrm>
+            <a:off x="959962" y="1072445"/>
+            <a:ext cx="10272075" cy="5113866"/>
+          </a:xfrm>
+          <a:prstGeom prst="rect">
+            <a:avLst/>
+          </a:prstGeom>
+        </p:spPr>
+      </p:pic>
+    </p:spTree>
+    <p:extLst>
+      <p:ext uri="{BB962C8B-B14F-4D97-AF65-F5344CB8AC3E}">
+        <p14:creationId xmlns:p14="http://schemas.microsoft.com/office/powerpoint/2010/main" val="2340448322"/>
+      </p:ext>
+    </p:extLst>
+  </p:cSld>
+  <p:clrMapOvr>
+    <a:masterClrMapping/>
+  </p:clrMapOvr>
+</p:sld>
+</file>
+
+<file path=ppt/slides/slide7.xml><?xml version="1.0" encoding="utf-8"?>
+<p:sld xmlns:a="http://schemas.openxmlformats.org/drawingml/2006/main" xmlns:r="http://schemas.openxmlformats.org/officeDocument/2006/relationships" xmlns:p="http://schemas.openxmlformats.org/presentationml/2006/main">
+  <p:cSld>
+    <p:spTree>
+      <p:nvGrpSpPr>
+        <p:cNvPr id="1" name=""/>
+        <p:cNvGrpSpPr/>
+        <p:nvPr/>
+      </p:nvGrpSpPr>
+      <p:grpSpPr>
+        <a:xfrm>
+          <a:off x="0" y="0"/>
+          <a:ext cx="0" cy="0"/>
+          <a:chOff x="0" y="0"/>
+          <a:chExt cx="0" cy="0"/>
+        </a:xfrm>
+      </p:grpSpPr>
+      <p:sp>
+        <p:nvSpPr>
+          <p:cNvPr id="2" name="Title 1">
+            <a:extLst>
+              <a:ext uri="{FF2B5EF4-FFF2-40B4-BE49-F238E27FC236}">
+                <a16:creationId xmlns:a16="http://schemas.microsoft.com/office/drawing/2014/main" id="{E00A119E-D3ED-BCCD-1396-70064AF6679A}"/>
+              </a:ext>
+            </a:extLst>
+          </p:cNvPr>
+          <p:cNvSpPr>
+            <a:spLocks noGrp="1"/>
+          </p:cNvSpPr>
+          <p:nvPr>
+            <p:ph type="title"/>
+          </p:nvPr>
+        </p:nvSpPr>
+        <p:spPr/>
+        <p:txBody>
+          <a:bodyPr/>
+          <a:lstStyle/>
+          <a:p>
+            <a:r>
+              <a:rPr lang="en-US" dirty="0"/>
+              <a:t>Takeaways </a:t>
+            </a:r>
+          </a:p>
+        </p:txBody>
+      </p:sp>
+      <p:sp>
+        <p:nvSpPr>
+          <p:cNvPr id="3" name="Content Placeholder 2">
+            <a:extLst>
+              <a:ext uri="{FF2B5EF4-FFF2-40B4-BE49-F238E27FC236}">
+                <a16:creationId xmlns:a16="http://schemas.microsoft.com/office/drawing/2014/main" id="{4FA9D070-6E5B-9716-56AC-9C107EB3D47B}"/>
+              </a:ext>
+            </a:extLst>
+          </p:cNvPr>
+          <p:cNvSpPr>
+            <a:spLocks noGrp="1"/>
+          </p:cNvSpPr>
+          <p:nvPr>
+            <p:ph idx="1"/>
+          </p:nvPr>
+        </p:nvSpPr>
+        <p:spPr/>
+        <p:txBody>
+          <a:bodyPr/>
+          <a:lstStyle/>
+          <a:p>
+            <a:pPr marL="457200" indent="-457200">
+              <a:buAutoNum type="arabicPeriod"/>
+            </a:pPr>
+            <a:r>
+              <a:rPr lang="en-IN" b="0" i="0" dirty="0">
+                <a:solidFill>
+                  <a:srgbClr val="374151"/>
+                </a:solidFill>
+                <a:effectLst/>
+                <a:latin typeface="Söhne"/>
+              </a:rPr>
+              <a:t>Increased trend in overall sales of firearms </a:t>
+            </a:r>
+          </a:p>
+          <a:p>
+            <a:pPr marL="457200" indent="-457200">
+              <a:buAutoNum type="arabicPeriod"/>
+            </a:pPr>
+            <a:r>
+              <a:rPr lang="en-IN" b="0" i="0" dirty="0">
+                <a:solidFill>
+                  <a:srgbClr val="374151"/>
+                </a:solidFill>
+                <a:effectLst/>
+                <a:latin typeface="Söhne"/>
+              </a:rPr>
+              <a:t>Major contributors continue to produce more guns </a:t>
+            </a:r>
+          </a:p>
+          <a:p>
+            <a:pPr marL="457200" indent="-457200">
+              <a:buAutoNum type="arabicPeriod"/>
+            </a:pPr>
+            <a:r>
+              <a:rPr lang="en-IN" dirty="0">
+                <a:solidFill>
+                  <a:srgbClr val="374151"/>
+                </a:solidFill>
+                <a:latin typeface="Söhne"/>
+              </a:rPr>
+              <a:t>Shift from handguns to </a:t>
+            </a:r>
+            <a:r>
+              <a:rPr lang="en-IN">
+                <a:solidFill>
+                  <a:srgbClr val="374151"/>
+                </a:solidFill>
+                <a:latin typeface="Söhne"/>
+              </a:rPr>
+              <a:t>long guns </a:t>
+            </a:r>
+            <a:endParaRPr lang="en-IN" b="0" i="0" dirty="0">
+              <a:solidFill>
+                <a:srgbClr val="374151"/>
+              </a:solidFill>
+              <a:effectLst/>
+              <a:latin typeface="Söhne"/>
+            </a:endParaRPr>
+          </a:p>
+        </p:txBody>
+      </p:sp>
+      <p:sp>
+        <p:nvSpPr>
+          <p:cNvPr id="4" name="TextBox 3">
+            <a:extLst>
+              <a:ext uri="{FF2B5EF4-FFF2-40B4-BE49-F238E27FC236}">
+                <a16:creationId xmlns:a16="http://schemas.microsoft.com/office/drawing/2014/main" id="{29C0D1C6-1250-5EA6-E60F-C44766CF39A9}"/>
+              </a:ext>
+            </a:extLst>
+          </p:cNvPr>
+          <p:cNvSpPr txBox="1"/>
+          <p:nvPr/>
+        </p:nvSpPr>
+        <p:spPr>
+          <a:xfrm>
+            <a:off x="2517422" y="2348089"/>
+            <a:ext cx="184731" cy="369332"/>
+          </a:xfrm>
+          <a:prstGeom prst="rect">
+            <a:avLst/>
+          </a:prstGeom>
+          <a:noFill/>
+        </p:spPr>
+        <p:txBody>
+          <a:bodyPr wrap="none" rtlCol="0">
+            <a:spAutoFit/>
+          </a:bodyPr>
+          <a:lstStyle/>
+          <a:p>
+            <a:endParaRPr lang="en-US" dirty="0"/>
+          </a:p>
+        </p:txBody>
+      </p:sp>
+    </p:spTree>
+    <p:extLst>
+      <p:ext uri="{BB962C8B-B14F-4D97-AF65-F5344CB8AC3E}">
+        <p14:creationId xmlns:p14="http://schemas.microsoft.com/office/powerpoint/2010/main" val="1466737187"/>
+      </p:ext>
+    </p:extLst>
+  </p:cSld>
+  <p:clrMapOvr>
+    <a:masterClrMapping/>
+  </p:clrMapOvr>
+</p:sld>
+</file>
+
 <file path=ppt/theme/theme1.xml><?xml version="1.0" encoding="utf-8"?>
 <a:theme xmlns:a="http://schemas.openxmlformats.org/drawingml/2006/main" name="SplashVTI">
   <a:themeElements>

--- a/Slides.pptx
+++ b/Slides.pptx
@@ -110,6 +110,11 @@
       </a:defRPr>
     </a:lvl9pPr>
   </p:defaultTextStyle>
+  <p:extLst>
+    <p:ext uri="{EFAFB233-063F-42B5-8137-9DF3F51BA10A}">
+      <p15:sldGuideLst xmlns:p15="http://schemas.microsoft.com/office/powerpoint/2012/main"/>
+    </p:ext>
+  </p:extLst>
 </p:presentation>
 </file>
 
@@ -266,7 +271,7 @@
           <a:p>
             <a:fld id="{79C5A860-F335-4252-AA00-24FB67ED2982}" type="datetime1">
               <a:rPr lang="en-US" smtClean="0"/>
-              <a:t>11/6/23</a:t>
+              <a:t>11/7/23</a:t>
             </a:fld>
             <a:endParaRPr lang="en-US"/>
           </a:p>
@@ -465,7 +470,7 @@
           <a:p>
             <a:fld id="{46AB1048-0047-48CA-88BA-D69B470942CF}" type="datetime1">
               <a:rPr lang="en-US" smtClean="0"/>
-              <a:t>11/6/23</a:t>
+              <a:t>11/7/23</a:t>
             </a:fld>
             <a:endParaRPr lang="en-US"/>
           </a:p>
@@ -675,7 +680,7 @@
           <a:p>
             <a:fld id="{5BD83879-648C-49A9-81A2-0EF5946532D0}" type="datetime1">
               <a:rPr lang="en-US" smtClean="0"/>
-              <a:t>11/6/23</a:t>
+              <a:t>11/7/23</a:t>
             </a:fld>
             <a:endParaRPr lang="en-US"/>
           </a:p>
@@ -873,7 +878,7 @@
           <a:p>
             <a:fld id="{D04BC802-30E3-4658-9CCA-F873646FEC67}" type="datetime1">
               <a:rPr lang="en-US" smtClean="0"/>
-              <a:t>11/6/23</a:t>
+              <a:t>11/7/23</a:t>
             </a:fld>
             <a:endParaRPr lang="en-US"/>
           </a:p>
@@ -1151,7 +1156,7 @@
           <a:p>
             <a:fld id="{0AB227A3-19CE-4153-81CE-64EB7AB094B3}" type="datetime1">
               <a:rPr lang="en-US" smtClean="0"/>
-              <a:t>11/6/23</a:t>
+              <a:t>11/7/23</a:t>
             </a:fld>
             <a:endParaRPr lang="en-US"/>
           </a:p>
@@ -1418,7 +1423,7 @@
           <a:p>
             <a:fld id="{B819A100-10F6-477E-8847-29D479EF1C92}" type="datetime1">
               <a:rPr lang="en-US" smtClean="0"/>
-              <a:t>11/6/23</a:t>
+              <a:t>11/7/23</a:t>
             </a:fld>
             <a:endParaRPr lang="en-US"/>
           </a:p>
@@ -1832,7 +1837,7 @@
           <a:p>
             <a:fld id="{5DF128AB-198A-495F-8475-FDB360C9873F}" type="datetime1">
               <a:rPr lang="en-US" smtClean="0"/>
-              <a:t>11/6/23</a:t>
+              <a:t>11/7/23</a:t>
             </a:fld>
             <a:endParaRPr lang="en-US"/>
           </a:p>
@@ -1973,7 +1978,7 @@
           <a:p>
             <a:fld id="{021A235E-F8FD-479F-9FC7-18BE84110877}" type="datetime1">
               <a:rPr lang="en-US" smtClean="0"/>
-              <a:t>11/6/23</a:t>
+              <a:t>11/7/23</a:t>
             </a:fld>
             <a:endParaRPr lang="en-US"/>
           </a:p>
@@ -2086,7 +2091,7 @@
           <a:p>
             <a:fld id="{E890F09B-68DA-462E-9DB4-4C9ADAB8CBCC}" type="datetime1">
               <a:rPr lang="en-US" smtClean="0"/>
-              <a:t>11/6/23</a:t>
+              <a:t>11/7/23</a:t>
             </a:fld>
             <a:endParaRPr lang="en-US"/>
           </a:p>
@@ -2405,7 +2410,7 @@
           <a:p>
             <a:fld id="{17AC4E36-FABE-47EB-AA7F-C19A93824617}" type="datetime1">
               <a:rPr lang="en-US" smtClean="0"/>
-              <a:t>11/6/23</a:t>
+              <a:t>11/7/23</a:t>
             </a:fld>
             <a:endParaRPr lang="en-US"/>
           </a:p>
@@ -2702,7 +2707,7 @@
           <a:p>
             <a:fld id="{F199CE6B-5DE6-4A2D-B72E-5E8969F9F56F}" type="datetime1">
               <a:rPr lang="en-US" smtClean="0"/>
-              <a:t>11/6/23</a:t>
+              <a:t>11/7/23</a:t>
             </a:fld>
             <a:endParaRPr lang="en-US"/>
           </a:p>
@@ -3560,7 +3565,7 @@
           <a:p>
             <a:fld id="{F481A142-DA77-4A5F-AD1F-14E6C18F0F5F}" type="datetime1">
               <a:rPr lang="en-US" smtClean="0"/>
-              <a:t>11/6/23</a:t>
+              <a:t>11/7/23</a:t>
             </a:fld>
             <a:endParaRPr lang="en-US" dirty="0"/>
           </a:p>
